--- a/작업완료포트폴리오/6. 최종 발표문서/전자결재시스템 1차 발표.pptx
+++ b/작업완료포트폴리오/6. 최종 발표문서/전자결재시스템 1차 발표.pptx
@@ -28,18 +28,23 @@
   <p:notesSz cx="6858000" cy="9144000"/>
   <p:embeddedFontLst>
     <p:embeddedFont>
-      <p:font typeface="Merriweather" panose="020B0600000101010101" charset="0"/>
+      <p:font typeface="Merriweather" charset="0"/>
       <p:regular r:id="rId18"/>
       <p:bold r:id="rId19"/>
       <p:italic r:id="rId20"/>
       <p:boldItalic r:id="rId21"/>
     </p:embeddedFont>
     <p:embeddedFont>
-      <p:font typeface="Roboto" panose="020B0600000101010101" charset="0"/>
+      <p:font typeface="Roboto" charset="0"/>
       <p:regular r:id="rId22"/>
       <p:bold r:id="rId23"/>
       <p:italic r:id="rId24"/>
       <p:boldItalic r:id="rId25"/>
+    </p:embeddedFont>
+    <p:embeddedFont>
+      <p:font typeface="맑은 고딕" pitchFamily="50" charset="-127"/>
+      <p:regular r:id="rId26"/>
+      <p:bold r:id="rId27"/>
     </p:embeddedFont>
   </p:embeddedFontLst>
   <p:defaultTextStyle>
@@ -273,7 +278,7 @@
   </p:defaultTextStyle>
   <p:extLst>
     <p:ext uri="{EFAFB233-063F-42B5-8137-9DF3F51BA10A}">
-      <p15:sldGuideLst xmlns:p15="http://schemas.microsoft.com/office/powerpoint/2012/main">
+      <p15:sldGuideLst xmlns:p15="http://schemas.microsoft.com/office/powerpoint/2012/main" xmlns="">
         <p15:guide id="1" orient="horz" pos="1620">
           <p15:clr>
             <a:srgbClr val="A4A3A4"/>
@@ -760,8 +765,8 @@
         </p:nvSpPr>
         <p:spPr>
           <a:xfrm>
-            <a:off x="381300" y="685800"/>
-            <a:ext cx="6096075" cy="3429000"/>
+            <a:off x="381000" y="685800"/>
+            <a:ext cx="6096000" cy="3429000"/>
           </a:xfrm>
           <a:custGeom>
             <a:avLst/>
@@ -934,7 +939,7 @@
     </p:spTree>
     <p:extLst>
       <p:ext uri="{BB962C8B-B14F-4D97-AF65-F5344CB8AC3E}">
-        <p14:creationId xmlns:p14="http://schemas.microsoft.com/office/powerpoint/2010/main" val="4140818942"/>
+        <p14:creationId xmlns:p14="http://schemas.microsoft.com/office/powerpoint/2010/main" xmlns="" val="4140818942"/>
       </p:ext>
     </p:extLst>
   </p:cSld>
@@ -1251,7 +1256,7 @@
     </p:spTree>
     <p:extLst>
       <p:ext uri="{BB962C8B-B14F-4D97-AF65-F5344CB8AC3E}">
-        <p14:creationId xmlns:p14="http://schemas.microsoft.com/office/powerpoint/2010/main" val="4213867019"/>
+        <p14:creationId xmlns:p14="http://schemas.microsoft.com/office/powerpoint/2010/main" xmlns="" val="4213867019"/>
       </p:ext>
     </p:extLst>
   </p:cSld>
@@ -1394,7 +1399,7 @@
         </p:nvSpPr>
         <p:spPr>
           <a:xfrm>
-            <a:off x="381300" y="685800"/>
+            <a:off x="381000" y="685800"/>
             <a:ext cx="6096000" cy="3429000"/>
           </a:xfrm>
           <a:custGeom>
@@ -2088,7 +2093,7 @@
     </p:spTree>
     <p:extLst>
       <p:ext uri="{BB962C8B-B14F-4D97-AF65-F5344CB8AC3E}">
-        <p14:creationId xmlns:p14="http://schemas.microsoft.com/office/powerpoint/2010/main" val="1320766467"/>
+        <p14:creationId xmlns:p14="http://schemas.microsoft.com/office/powerpoint/2010/main" xmlns="" val="1320766467"/>
       </p:ext>
     </p:extLst>
   </p:cSld>
@@ -2197,7 +2202,7 @@
     </p:spTree>
     <p:extLst>
       <p:ext uri="{BB962C8B-B14F-4D97-AF65-F5344CB8AC3E}">
-        <p14:creationId xmlns:p14="http://schemas.microsoft.com/office/powerpoint/2010/main" val="1786385330"/>
+        <p14:creationId xmlns:p14="http://schemas.microsoft.com/office/powerpoint/2010/main" xmlns="" val="1786385330"/>
       </p:ext>
     </p:extLst>
   </p:cSld>
@@ -2306,7 +2311,7 @@
     </p:spTree>
     <p:extLst>
       <p:ext uri="{BB962C8B-B14F-4D97-AF65-F5344CB8AC3E}">
-        <p14:creationId xmlns:p14="http://schemas.microsoft.com/office/powerpoint/2010/main" val="198076220"/>
+        <p14:creationId xmlns:p14="http://schemas.microsoft.com/office/powerpoint/2010/main" xmlns="" val="198076220"/>
       </p:ext>
     </p:extLst>
   </p:cSld>
@@ -2841,6 +2846,15 @@
             </a:pPr>
             <a:fld id="{00000000-1234-1234-1234-123412341234}" type="slidenum">
               <a:rPr lang="ko"/>
+              <a:pPr marL="0" lvl="0" indent="0" algn="r" rtl="0">
+                <a:spcBef>
+                  <a:spcPts val="0"/>
+                </a:spcBef>
+                <a:spcAft>
+                  <a:spcPts val="0"/>
+                </a:spcAft>
+                <a:buNone/>
+              </a:pPr>
               <a:t>‹#›</a:t>
             </a:fld>
             <a:endParaRPr/>
@@ -3375,6 +3389,15 @@
             </a:pPr>
             <a:fld id="{00000000-1234-1234-1234-123412341234}" type="slidenum">
               <a:rPr lang="ko"/>
+              <a:pPr marL="0" lvl="0" indent="0" algn="r" rtl="0">
+                <a:spcBef>
+                  <a:spcPts val="0"/>
+                </a:spcBef>
+                <a:spcAft>
+                  <a:spcPts val="0"/>
+                </a:spcAft>
+                <a:buNone/>
+              </a:pPr>
               <a:t>‹#›</a:t>
             </a:fld>
             <a:endParaRPr/>
@@ -3479,6 +3502,15 @@
             </a:pPr>
             <a:fld id="{00000000-1234-1234-1234-123412341234}" type="slidenum">
               <a:rPr lang="ko"/>
+              <a:pPr marL="0" lvl="0" indent="0" algn="r" rtl="0">
+                <a:spcBef>
+                  <a:spcPts val="0"/>
+                </a:spcBef>
+                <a:spcAft>
+                  <a:spcPts val="0"/>
+                </a:spcAft>
+                <a:buNone/>
+              </a:pPr>
               <a:t>‹#›</a:t>
             </a:fld>
             <a:endParaRPr/>
@@ -3842,6 +3874,15 @@
             </a:pPr>
             <a:fld id="{00000000-1234-1234-1234-123412341234}" type="slidenum">
               <a:rPr lang="ko"/>
+              <a:pPr marL="0" lvl="0" indent="0" algn="r" rtl="0">
+                <a:spcBef>
+                  <a:spcPts val="0"/>
+                </a:spcBef>
+                <a:spcAft>
+                  <a:spcPts val="0"/>
+                </a:spcAft>
+                <a:buNone/>
+              </a:pPr>
               <a:t>‹#›</a:t>
             </a:fld>
             <a:endParaRPr/>
@@ -4393,6 +4434,15 @@
             </a:pPr>
             <a:fld id="{00000000-1234-1234-1234-123412341234}" type="slidenum">
               <a:rPr lang="ko"/>
+              <a:pPr marL="0" lvl="0" indent="0" algn="r" rtl="0">
+                <a:spcBef>
+                  <a:spcPts val="0"/>
+                </a:spcBef>
+                <a:spcAft>
+                  <a:spcPts val="0"/>
+                </a:spcAft>
+                <a:buNone/>
+              </a:pPr>
               <a:t>‹#›</a:t>
             </a:fld>
             <a:endParaRPr/>
@@ -4987,6 +5037,15 @@
             </a:pPr>
             <a:fld id="{00000000-1234-1234-1234-123412341234}" type="slidenum">
               <a:rPr lang="ko"/>
+              <a:pPr marL="0" lvl="0" indent="0" algn="r" rtl="0">
+                <a:spcBef>
+                  <a:spcPts val="0"/>
+                </a:spcBef>
+                <a:spcAft>
+                  <a:spcPts val="0"/>
+                </a:spcAft>
+                <a:buNone/>
+              </a:pPr>
               <a:t>‹#›</a:t>
             </a:fld>
             <a:endParaRPr/>
@@ -5323,6 +5382,15 @@
             </a:pPr>
             <a:fld id="{00000000-1234-1234-1234-123412341234}" type="slidenum">
               <a:rPr lang="ko"/>
+              <a:pPr marL="0" lvl="0" indent="0" algn="r" rtl="0">
+                <a:spcBef>
+                  <a:spcPts val="0"/>
+                </a:spcBef>
+                <a:spcAft>
+                  <a:spcPts val="0"/>
+                </a:spcAft>
+                <a:buNone/>
+              </a:pPr>
               <a:t>‹#›</a:t>
             </a:fld>
             <a:endParaRPr/>
@@ -5851,6 +5919,15 @@
             </a:pPr>
             <a:fld id="{00000000-1234-1234-1234-123412341234}" type="slidenum">
               <a:rPr lang="ko"/>
+              <a:pPr marL="0" lvl="0" indent="0" algn="r" rtl="0">
+                <a:spcBef>
+                  <a:spcPts val="0"/>
+                </a:spcBef>
+                <a:spcAft>
+                  <a:spcPts val="0"/>
+                </a:spcAft>
+                <a:buNone/>
+              </a:pPr>
               <a:t>‹#›</a:t>
             </a:fld>
             <a:endParaRPr/>
@@ -6128,6 +6205,15 @@
             </a:pPr>
             <a:fld id="{00000000-1234-1234-1234-123412341234}" type="slidenum">
               <a:rPr lang="ko"/>
+              <a:pPr marL="0" lvl="0" indent="0" algn="r" rtl="0">
+                <a:spcBef>
+                  <a:spcPts val="0"/>
+                </a:spcBef>
+                <a:spcAft>
+                  <a:spcPts val="0"/>
+                </a:spcAft>
+                <a:buNone/>
+              </a:pPr>
               <a:t>‹#›</a:t>
             </a:fld>
             <a:endParaRPr/>
@@ -6812,6 +6898,15 @@
             </a:pPr>
             <a:fld id="{00000000-1234-1234-1234-123412341234}" type="slidenum">
               <a:rPr lang="ko"/>
+              <a:pPr marL="0" lvl="0" indent="0" algn="r" rtl="0">
+                <a:spcBef>
+                  <a:spcPts val="0"/>
+                </a:spcBef>
+                <a:spcAft>
+                  <a:spcPts val="0"/>
+                </a:spcAft>
+                <a:buNone/>
+              </a:pPr>
               <a:t>‹#›</a:t>
             </a:fld>
             <a:endParaRPr/>
@@ -7048,6 +7143,15 @@
             </a:pPr>
             <a:fld id="{00000000-1234-1234-1234-123412341234}" type="slidenum">
               <a:rPr lang="ko"/>
+              <a:pPr marL="0" lvl="0" indent="0" algn="r" rtl="0">
+                <a:spcBef>
+                  <a:spcPts val="0"/>
+                </a:spcBef>
+                <a:spcAft>
+                  <a:spcPts val="0"/>
+                </a:spcAft>
+                <a:buNone/>
+              </a:pPr>
               <a:t>‹#›</a:t>
             </a:fld>
             <a:endParaRPr/>
@@ -7745,6 +7849,15 @@
             </a:pPr>
             <a:fld id="{00000000-1234-1234-1234-123412341234}" type="slidenum">
               <a:rPr lang="ko"/>
+              <a:pPr marL="0" lvl="0" indent="0" algn="r" rtl="0">
+                <a:spcBef>
+                  <a:spcPts val="0"/>
+                </a:spcBef>
+                <a:spcAft>
+                  <a:spcPts val="0"/>
+                </a:spcAft>
+                <a:buNone/>
+              </a:pPr>
               <a:t>‹#›</a:t>
             </a:fld>
             <a:endParaRPr/>
@@ -8723,6 +8836,36 @@
           </a:p>
         </p:txBody>
       </p:sp>
+      <p:pic>
+        <p:nvPicPr>
+          <p:cNvPr id="5" name="shape1025"/>
+          <p:cNvPicPr/>
+          <p:nvPr/>
+        </p:nvPicPr>
+        <p:blipFill>
+          <a:blip r:embed="rId3">
+            <a:extLst>
+              <a:ext uri="{28A0092B-C50C-407E-A947-70E740481C1C}">
+                <a14:useLocalDpi xmlns="" xmlns:wpc="http://schemas.microsoft.com/office/word/2010/wordprocessingCanvas" xmlns:mc="http://schemas.openxmlformats.org/markup-compatibility/2006" xmlns:o="urn:schemas-microsoft-com:office:office" xmlns:m="http://schemas.openxmlformats.org/officeDocument/2006/math" xmlns:v="urn:schemas-microsoft-com:vml" xmlns:wp14="http://schemas.microsoft.com/office/word/2010/wordprocessingDrawing" xmlns:wp="http://schemas.openxmlformats.org/drawingml/2006/wordprocessingDrawing" xmlns:w10="urn:schemas-microsoft-com:office:word" xmlns:w="http://schemas.openxmlformats.org/wordprocessingml/2006/main" xmlns:w14="http://schemas.microsoft.com/office/word/2010/wordml" xmlns:w15="http://schemas.microsoft.com/office/word/2012/wordml" xmlns:wpg="http://schemas.microsoft.com/office/word/2010/wordprocessingGroup" xmlns:wpi="http://schemas.microsoft.com/office/word/2010/wordprocessingInk" xmlns:wne="http://schemas.microsoft.com/office/word/2006/wordml" xmlns:wps="http://schemas.microsoft.com/office/word/2010/wordprocessingShape" xmlns:a14="http://schemas.microsoft.com/office/drawing/2010/main" xmlns:pic="http://schemas.openxmlformats.org/drawingml/2006/picture" xmlns:lc="http://schemas.openxmlformats.org/drawingml/2006/lockedCanvas" val="0"/>
+              </a:ext>
+            </a:extLst>
+          </a:blip>
+          <a:srcRect/>
+          <a:stretch>
+            <a:fillRect/>
+          </a:stretch>
+        </p:blipFill>
+        <p:spPr>
+          <a:xfrm>
+            <a:off x="7256796" y="165183"/>
+            <a:ext cx="1704975" cy="409575"/>
+          </a:xfrm>
+          <a:prstGeom prst="rect">
+            <a:avLst/>
+          </a:prstGeom>
+          <a:noFill/>
+        </p:spPr>
+      </p:pic>
     </p:spTree>
   </p:cSld>
   <p:clrMapOvr>
@@ -8849,7 +8992,7 @@
           <p:cNvPr id="4" name="직선 연결선 3">
             <a:extLst>
               <a:ext uri="{FF2B5EF4-FFF2-40B4-BE49-F238E27FC236}">
-                <a16:creationId xmlns:a16="http://schemas.microsoft.com/office/drawing/2014/main" id="{60AC06CD-27AB-4E9F-9FA5-B74D6D7EA077}"/>
+                <a16:creationId xmlns:a16="http://schemas.microsoft.com/office/drawing/2014/main" xmlns="" id="{60AC06CD-27AB-4E9F-9FA5-B74D6D7EA077}"/>
               </a:ext>
             </a:extLst>
           </p:cNvPr>
@@ -8890,7 +9033,7 @@
           <p:cNvPr id="6" name="직선 연결선 5">
             <a:extLst>
               <a:ext uri="{FF2B5EF4-FFF2-40B4-BE49-F238E27FC236}">
-                <a16:creationId xmlns:a16="http://schemas.microsoft.com/office/drawing/2014/main" id="{4E427978-638F-4F3B-8DC2-86EAA02C5D7D}"/>
+                <a16:creationId xmlns:a16="http://schemas.microsoft.com/office/drawing/2014/main" xmlns="" id="{4E427978-638F-4F3B-8DC2-86EAA02C5D7D}"/>
               </a:ext>
             </a:extLst>
           </p:cNvPr>
@@ -8933,7 +9076,7 @@
           <p:cNvPr id="9" name="사각형: 둥근 모서리 8">
             <a:extLst>
               <a:ext uri="{FF2B5EF4-FFF2-40B4-BE49-F238E27FC236}">
-                <a16:creationId xmlns:a16="http://schemas.microsoft.com/office/drawing/2014/main" id="{9B80FC89-30DA-4720-981E-E5B02D6B734C}"/>
+                <a16:creationId xmlns:a16="http://schemas.microsoft.com/office/drawing/2014/main" xmlns="" id="{9B80FC89-30DA-4720-981E-E5B02D6B734C}"/>
               </a:ext>
             </a:extLst>
           </p:cNvPr>
@@ -8996,7 +9139,7 @@
           <p:cNvPr id="12" name="사각형: 둥근 모서리 11">
             <a:extLst>
               <a:ext uri="{FF2B5EF4-FFF2-40B4-BE49-F238E27FC236}">
-                <a16:creationId xmlns:a16="http://schemas.microsoft.com/office/drawing/2014/main" id="{CDF144D8-62CA-474D-A734-D53E7694CC36}"/>
+                <a16:creationId xmlns:a16="http://schemas.microsoft.com/office/drawing/2014/main" xmlns="" id="{CDF144D8-62CA-474D-A734-D53E7694CC36}"/>
               </a:ext>
             </a:extLst>
           </p:cNvPr>
@@ -9059,7 +9202,7 @@
           <p:cNvPr id="13" name="사각형: 둥근 모서리 12">
             <a:extLst>
               <a:ext uri="{FF2B5EF4-FFF2-40B4-BE49-F238E27FC236}">
-                <a16:creationId xmlns:a16="http://schemas.microsoft.com/office/drawing/2014/main" id="{716734DF-2710-48EC-8FDA-B747E5E9C247}"/>
+                <a16:creationId xmlns:a16="http://schemas.microsoft.com/office/drawing/2014/main" xmlns="" id="{716734DF-2710-48EC-8FDA-B747E5E9C247}"/>
               </a:ext>
             </a:extLst>
           </p:cNvPr>
@@ -9122,7 +9265,7 @@
           <p:cNvPr id="14" name="사각형: 둥근 모서리 13">
             <a:extLst>
               <a:ext uri="{FF2B5EF4-FFF2-40B4-BE49-F238E27FC236}">
-                <a16:creationId xmlns:a16="http://schemas.microsoft.com/office/drawing/2014/main" id="{3A07979A-21B2-4557-9B38-95636B2E868B}"/>
+                <a16:creationId xmlns:a16="http://schemas.microsoft.com/office/drawing/2014/main" xmlns="" id="{3A07979A-21B2-4557-9B38-95636B2E868B}"/>
               </a:ext>
             </a:extLst>
           </p:cNvPr>
@@ -9185,7 +9328,7 @@
           <p:cNvPr id="15" name="사각형: 둥근 모서리 14">
             <a:extLst>
               <a:ext uri="{FF2B5EF4-FFF2-40B4-BE49-F238E27FC236}">
-                <a16:creationId xmlns:a16="http://schemas.microsoft.com/office/drawing/2014/main" id="{26E8DAE0-8CCD-4337-B848-AD949E9B3905}"/>
+                <a16:creationId xmlns:a16="http://schemas.microsoft.com/office/drawing/2014/main" xmlns="" id="{26E8DAE0-8CCD-4337-B848-AD949E9B3905}"/>
               </a:ext>
             </a:extLst>
           </p:cNvPr>
@@ -9248,7 +9391,7 @@
           <p:cNvPr id="16" name="사각형: 둥근 모서리 15">
             <a:extLst>
               <a:ext uri="{FF2B5EF4-FFF2-40B4-BE49-F238E27FC236}">
-                <a16:creationId xmlns:a16="http://schemas.microsoft.com/office/drawing/2014/main" id="{14ED3B27-91EF-45DF-AA5F-D12666306202}"/>
+                <a16:creationId xmlns:a16="http://schemas.microsoft.com/office/drawing/2014/main" xmlns="" id="{14ED3B27-91EF-45DF-AA5F-D12666306202}"/>
               </a:ext>
             </a:extLst>
           </p:cNvPr>
@@ -9311,7 +9454,7 @@
           <p:cNvPr id="17" name="사각형: 둥근 모서리 16">
             <a:extLst>
               <a:ext uri="{FF2B5EF4-FFF2-40B4-BE49-F238E27FC236}">
-                <a16:creationId xmlns:a16="http://schemas.microsoft.com/office/drawing/2014/main" id="{4B771321-D6F7-4290-83AF-1DE5093EC434}"/>
+                <a16:creationId xmlns:a16="http://schemas.microsoft.com/office/drawing/2014/main" xmlns="" id="{4B771321-D6F7-4290-83AF-1DE5093EC434}"/>
               </a:ext>
             </a:extLst>
           </p:cNvPr>
@@ -9374,7 +9517,7 @@
           <p:cNvPr id="18" name="사각형: 둥근 모서리 17">
             <a:extLst>
               <a:ext uri="{FF2B5EF4-FFF2-40B4-BE49-F238E27FC236}">
-                <a16:creationId xmlns:a16="http://schemas.microsoft.com/office/drawing/2014/main" id="{872A5B1B-3799-4D0A-A6C7-3380B48CAE77}"/>
+                <a16:creationId xmlns:a16="http://schemas.microsoft.com/office/drawing/2014/main" xmlns="" id="{872A5B1B-3799-4D0A-A6C7-3380B48CAE77}"/>
               </a:ext>
             </a:extLst>
           </p:cNvPr>
@@ -9437,7 +9580,7 @@
           <p:cNvPr id="10" name="화살표: 오른쪽 9">
             <a:extLst>
               <a:ext uri="{FF2B5EF4-FFF2-40B4-BE49-F238E27FC236}">
-                <a16:creationId xmlns:a16="http://schemas.microsoft.com/office/drawing/2014/main" id="{E9AB49AE-E85E-47B2-B217-8E9B81C25C8F}"/>
+                <a16:creationId xmlns:a16="http://schemas.microsoft.com/office/drawing/2014/main" xmlns="" id="{E9AB49AE-E85E-47B2-B217-8E9B81C25C8F}"/>
               </a:ext>
             </a:extLst>
           </p:cNvPr>
@@ -9491,7 +9634,7 @@
           <p:cNvPr id="20" name="화살표: 오른쪽 19">
             <a:extLst>
               <a:ext uri="{FF2B5EF4-FFF2-40B4-BE49-F238E27FC236}">
-                <a16:creationId xmlns:a16="http://schemas.microsoft.com/office/drawing/2014/main" id="{D20506AF-5316-495B-A6A2-951635FF40F6}"/>
+                <a16:creationId xmlns:a16="http://schemas.microsoft.com/office/drawing/2014/main" xmlns="" id="{D20506AF-5316-495B-A6A2-951635FF40F6}"/>
               </a:ext>
             </a:extLst>
           </p:cNvPr>
@@ -9545,7 +9688,7 @@
           <p:cNvPr id="21" name="화살표: 오른쪽 20">
             <a:extLst>
               <a:ext uri="{FF2B5EF4-FFF2-40B4-BE49-F238E27FC236}">
-                <a16:creationId xmlns:a16="http://schemas.microsoft.com/office/drawing/2014/main" id="{B5175AD1-0835-4FA6-8AF4-C4BE347C266C}"/>
+                <a16:creationId xmlns:a16="http://schemas.microsoft.com/office/drawing/2014/main" xmlns="" id="{B5175AD1-0835-4FA6-8AF4-C4BE347C266C}"/>
               </a:ext>
             </a:extLst>
           </p:cNvPr>
@@ -9599,7 +9742,7 @@
           <p:cNvPr id="22" name="화살표: 오른쪽 21">
             <a:extLst>
               <a:ext uri="{FF2B5EF4-FFF2-40B4-BE49-F238E27FC236}">
-                <a16:creationId xmlns:a16="http://schemas.microsoft.com/office/drawing/2014/main" id="{0A6DDC63-0DBE-4451-AD43-7E209D2218C5}"/>
+                <a16:creationId xmlns:a16="http://schemas.microsoft.com/office/drawing/2014/main" xmlns="" id="{0A6DDC63-0DBE-4451-AD43-7E209D2218C5}"/>
               </a:ext>
             </a:extLst>
           </p:cNvPr>
@@ -9651,7 +9794,7 @@
     </p:spTree>
     <p:extLst>
       <p:ext uri="{BB962C8B-B14F-4D97-AF65-F5344CB8AC3E}">
-        <p14:creationId xmlns:p14="http://schemas.microsoft.com/office/powerpoint/2010/main" val="2316752253"/>
+        <p14:creationId xmlns:p14="http://schemas.microsoft.com/office/powerpoint/2010/main" xmlns="" val="2316752253"/>
       </p:ext>
     </p:extLst>
   </p:cSld>
@@ -10287,7 +10430,7 @@
           <p:cNvPr id="2" name="그림 1">
             <a:extLst>
               <a:ext uri="{FF2B5EF4-FFF2-40B4-BE49-F238E27FC236}">
-                <a16:creationId xmlns:a16="http://schemas.microsoft.com/office/drawing/2014/main" id="{2ACEE01E-E194-4D5E-8582-6D6D9DB18ED0}"/>
+                <a16:creationId xmlns:a16="http://schemas.microsoft.com/office/drawing/2014/main" xmlns="" id="{2ACEE01E-E194-4D5E-8582-6D6D9DB18ED0}"/>
               </a:ext>
             </a:extLst>
           </p:cNvPr>
@@ -10317,7 +10460,7 @@
           <p:cNvPr id="3" name="그림 2">
             <a:extLst>
               <a:ext uri="{FF2B5EF4-FFF2-40B4-BE49-F238E27FC236}">
-                <a16:creationId xmlns:a16="http://schemas.microsoft.com/office/drawing/2014/main" id="{840ADF03-9043-4EB8-838D-11C6F5218F34}"/>
+                <a16:creationId xmlns:a16="http://schemas.microsoft.com/office/drawing/2014/main" xmlns="" id="{840ADF03-9043-4EB8-838D-11C6F5218F34}"/>
               </a:ext>
             </a:extLst>
           </p:cNvPr>
@@ -10345,7 +10488,7 @@
     </p:spTree>
     <p:extLst>
       <p:ext uri="{BB962C8B-B14F-4D97-AF65-F5344CB8AC3E}">
-        <p14:creationId xmlns:p14="http://schemas.microsoft.com/office/powerpoint/2010/main" val="4263662353"/>
+        <p14:creationId xmlns:p14="http://schemas.microsoft.com/office/powerpoint/2010/main" xmlns="" val="4263662353"/>
       </p:ext>
     </p:extLst>
   </p:cSld>
@@ -10834,6 +10977,36 @@
           </a:p>
         </p:txBody>
       </p:sp>
+      <p:pic>
+        <p:nvPicPr>
+          <p:cNvPr id="4" name="shape1025"/>
+          <p:cNvPicPr/>
+          <p:nvPr/>
+        </p:nvPicPr>
+        <p:blipFill>
+          <a:blip r:embed="rId3">
+            <a:extLst>
+              <a:ext uri="{28A0092B-C50C-407E-A947-70E740481C1C}">
+                <a14:useLocalDpi xmlns="" xmlns:wpc="http://schemas.microsoft.com/office/word/2010/wordprocessingCanvas" xmlns:mc="http://schemas.openxmlformats.org/markup-compatibility/2006" xmlns:o="urn:schemas-microsoft-com:office:office" xmlns:m="http://schemas.openxmlformats.org/officeDocument/2006/math" xmlns:v="urn:schemas-microsoft-com:vml" xmlns:wp14="http://schemas.microsoft.com/office/word/2010/wordprocessingDrawing" xmlns:wp="http://schemas.openxmlformats.org/drawingml/2006/wordprocessingDrawing" xmlns:w10="urn:schemas-microsoft-com:office:word" xmlns:w="http://schemas.openxmlformats.org/wordprocessingml/2006/main" xmlns:w14="http://schemas.microsoft.com/office/word/2010/wordml" xmlns:w15="http://schemas.microsoft.com/office/word/2012/wordml" xmlns:wpg="http://schemas.microsoft.com/office/word/2010/wordprocessingGroup" xmlns:wpi="http://schemas.microsoft.com/office/word/2010/wordprocessingInk" xmlns:wne="http://schemas.microsoft.com/office/word/2006/wordml" xmlns:wps="http://schemas.microsoft.com/office/word/2010/wordprocessingShape" xmlns:a14="http://schemas.microsoft.com/office/drawing/2010/main" xmlns:pic="http://schemas.openxmlformats.org/drawingml/2006/picture" xmlns:lc="http://schemas.openxmlformats.org/drawingml/2006/lockedCanvas" val="0"/>
+              </a:ext>
+            </a:extLst>
+          </a:blip>
+          <a:srcRect/>
+          <a:stretch>
+            <a:fillRect/>
+          </a:stretch>
+        </p:blipFill>
+        <p:spPr>
+          <a:xfrm>
+            <a:off x="7268827" y="153151"/>
+            <a:ext cx="1704975" cy="409575"/>
+          </a:xfrm>
+          <a:prstGeom prst="rect">
+            <a:avLst/>
+          </a:prstGeom>
+          <a:noFill/>
+        </p:spPr>
+      </p:pic>
     </p:spTree>
   </p:cSld>
   <p:clrMapOvr>
@@ -12769,7 +12942,7 @@
           <p:cNvPr id="2" name="그림 1">
             <a:extLst>
               <a:ext uri="{FF2B5EF4-FFF2-40B4-BE49-F238E27FC236}">
-                <a16:creationId xmlns:a16="http://schemas.microsoft.com/office/drawing/2014/main" id="{A7846E3A-AB22-46C5-AEE1-C1DE1A206AFB}"/>
+                <a16:creationId xmlns:a16="http://schemas.microsoft.com/office/drawing/2014/main" xmlns="" id="{A7846E3A-AB22-46C5-AEE1-C1DE1A206AFB}"/>
               </a:ext>
             </a:extLst>
           </p:cNvPr>
@@ -12799,7 +12972,7 @@
           <p:cNvPr id="3" name="그림 2">
             <a:extLst>
               <a:ext uri="{FF2B5EF4-FFF2-40B4-BE49-F238E27FC236}">
-                <a16:creationId xmlns:a16="http://schemas.microsoft.com/office/drawing/2014/main" id="{3115B310-38D8-4740-8BA0-69F83AEC8CD6}"/>
+                <a16:creationId xmlns:a16="http://schemas.microsoft.com/office/drawing/2014/main" xmlns="" id="{3115B310-38D8-4740-8BA0-69F83AEC8CD6}"/>
               </a:ext>
             </a:extLst>
           </p:cNvPr>
@@ -12829,7 +13002,7 @@
           <p:cNvPr id="4" name="그림 3">
             <a:extLst>
               <a:ext uri="{FF2B5EF4-FFF2-40B4-BE49-F238E27FC236}">
-                <a16:creationId xmlns:a16="http://schemas.microsoft.com/office/drawing/2014/main" id="{22FE2087-7C39-4762-9AEB-09C4C193FECF}"/>
+                <a16:creationId xmlns:a16="http://schemas.microsoft.com/office/drawing/2014/main" xmlns="" id="{22FE2087-7C39-4762-9AEB-09C4C193FECF}"/>
               </a:ext>
             </a:extLst>
           </p:cNvPr>
@@ -12857,7 +13030,7 @@
     </p:spTree>
     <p:extLst>
       <p:ext uri="{BB962C8B-B14F-4D97-AF65-F5344CB8AC3E}">
-        <p14:creationId xmlns:p14="http://schemas.microsoft.com/office/powerpoint/2010/main" val="4209858825"/>
+        <p14:creationId xmlns:p14="http://schemas.microsoft.com/office/powerpoint/2010/main" xmlns="" val="4209858825"/>
       </p:ext>
     </p:extLst>
   </p:cSld>
@@ -12985,7 +13158,7 @@
           <p:cNvPr id="2" name="그림 1">
             <a:extLst>
               <a:ext uri="{FF2B5EF4-FFF2-40B4-BE49-F238E27FC236}">
-                <a16:creationId xmlns:a16="http://schemas.microsoft.com/office/drawing/2014/main" id="{087F639B-1022-4C36-9DF6-5FB473137092}"/>
+                <a16:creationId xmlns:a16="http://schemas.microsoft.com/office/drawing/2014/main" xmlns="" id="{087F639B-1022-4C36-9DF6-5FB473137092}"/>
               </a:ext>
             </a:extLst>
           </p:cNvPr>
@@ -13015,7 +13188,7 @@
           <p:cNvPr id="3" name="그림 2">
             <a:extLst>
               <a:ext uri="{FF2B5EF4-FFF2-40B4-BE49-F238E27FC236}">
-                <a16:creationId xmlns:a16="http://schemas.microsoft.com/office/drawing/2014/main" id="{7FCAAB51-73BD-45D3-BCF1-E04B41730567}"/>
+                <a16:creationId xmlns:a16="http://schemas.microsoft.com/office/drawing/2014/main" xmlns="" id="{7FCAAB51-73BD-45D3-BCF1-E04B41730567}"/>
               </a:ext>
             </a:extLst>
           </p:cNvPr>
@@ -13043,7 +13216,7 @@
     </p:spTree>
     <p:extLst>
       <p:ext uri="{BB962C8B-B14F-4D97-AF65-F5344CB8AC3E}">
-        <p14:creationId xmlns:p14="http://schemas.microsoft.com/office/powerpoint/2010/main" val="630673977"/>
+        <p14:creationId xmlns:p14="http://schemas.microsoft.com/office/powerpoint/2010/main" xmlns="" val="630673977"/>
       </p:ext>
     </p:extLst>
   </p:cSld>
@@ -13180,7 +13353,7 @@
           <p:cNvPr id="4" name="그림 3">
             <a:extLst>
               <a:ext uri="{FF2B5EF4-FFF2-40B4-BE49-F238E27FC236}">
-                <a16:creationId xmlns:a16="http://schemas.microsoft.com/office/drawing/2014/main" id="{D6FF647F-B0F9-4CD7-8679-516492C0E7C7}"/>
+                <a16:creationId xmlns:a16="http://schemas.microsoft.com/office/drawing/2014/main" xmlns="" id="{D6FF647F-B0F9-4CD7-8679-516492C0E7C7}"/>
               </a:ext>
             </a:extLst>
           </p:cNvPr>
@@ -13210,7 +13383,7 @@
           <p:cNvPr id="5" name="그림 4">
             <a:extLst>
               <a:ext uri="{FF2B5EF4-FFF2-40B4-BE49-F238E27FC236}">
-                <a16:creationId xmlns:a16="http://schemas.microsoft.com/office/drawing/2014/main" id="{C9426BBB-1989-4D09-B906-3C309AF2C555}"/>
+                <a16:creationId xmlns:a16="http://schemas.microsoft.com/office/drawing/2014/main" xmlns="" id="{C9426BBB-1989-4D09-B906-3C309AF2C555}"/>
               </a:ext>
             </a:extLst>
           </p:cNvPr>
@@ -13238,7 +13411,7 @@
     </p:spTree>
     <p:extLst>
       <p:ext uri="{BB962C8B-B14F-4D97-AF65-F5344CB8AC3E}">
-        <p14:creationId xmlns:p14="http://schemas.microsoft.com/office/powerpoint/2010/main" val="3273631743"/>
+        <p14:creationId xmlns:p14="http://schemas.microsoft.com/office/powerpoint/2010/main" xmlns="" val="3273631743"/>
       </p:ext>
     </p:extLst>
   </p:cSld>
